--- a/PPT/PythonOO10-DesignPattern.pptx
+++ b/PPT/PythonOO10-DesignPattern.pptx
@@ -8356,13 +8356,13 @@
           <a:lstStyle/>
           <a:p>
             <a:r>
-              <a:rPr lang="fr-FR" altLang="fr-FR"/>
-              <a:t>Une classe service est dépendante des entités et des repositories</a:t>
-            </a:r>
-          </a:p>
-          <a:p>
-            <a:r>
-              <a:rPr lang="fr-FR" altLang="fr-FR"/>
+              <a:rPr lang="fr-FR" altLang="fr-FR" dirty="0"/>
+              <a:t>Une classe service est dépendant des entités et des repositories</a:t>
+            </a:r>
+          </a:p>
+          <a:p>
+            <a:r>
+              <a:rPr lang="fr-FR" altLang="fr-FR" dirty="0"/>
               <a:t>Représente un Use Case UML</a:t>
             </a:r>
           </a:p>
